--- a/media/montaje_imgs.pptx
+++ b/media/montaje_imgs.pptx
@@ -104,6 +104,11 @@
       </a:defRPr>
     </a:lvl9pPr>
   </p:defaultTextStyle>
+  <p:extLst>
+    <p:ext uri="{EFAFB233-063F-42B5-8137-9DF3F51BA10A}">
+      <p15:sldGuideLst xmlns:p15="http://schemas.microsoft.com/office/powerpoint/2012/main"/>
+    </p:ext>
+  </p:extLst>
 </p:presentation>
 </file>
 
@@ -254,7 +259,7 @@
           <a:p>
             <a:fld id="{058D47DC-6FB3-4103-9605-F4E18D6D2E20}" type="datetimeFigureOut">
               <a:rPr lang="es-ES" smtClean="0"/>
-              <a:t>23/08/2024</a:t>
+              <a:t>01/01/2025</a:t>
             </a:fld>
             <a:endParaRPr lang="es-ES"/>
           </a:p>
@@ -452,7 +457,7 @@
           <a:p>
             <a:fld id="{058D47DC-6FB3-4103-9605-F4E18D6D2E20}" type="datetimeFigureOut">
               <a:rPr lang="es-ES" smtClean="0"/>
-              <a:t>23/08/2024</a:t>
+              <a:t>01/01/2025</a:t>
             </a:fld>
             <a:endParaRPr lang="es-ES"/>
           </a:p>
@@ -660,7 +665,7 @@
           <a:p>
             <a:fld id="{058D47DC-6FB3-4103-9605-F4E18D6D2E20}" type="datetimeFigureOut">
               <a:rPr lang="es-ES" smtClean="0"/>
-              <a:t>23/08/2024</a:t>
+              <a:t>01/01/2025</a:t>
             </a:fld>
             <a:endParaRPr lang="es-ES"/>
           </a:p>
@@ -858,7 +863,7 @@
           <a:p>
             <a:fld id="{058D47DC-6FB3-4103-9605-F4E18D6D2E20}" type="datetimeFigureOut">
               <a:rPr lang="es-ES" smtClean="0"/>
-              <a:t>23/08/2024</a:t>
+              <a:t>01/01/2025</a:t>
             </a:fld>
             <a:endParaRPr lang="es-ES"/>
           </a:p>
@@ -1133,7 +1138,7 @@
           <a:p>
             <a:fld id="{058D47DC-6FB3-4103-9605-F4E18D6D2E20}" type="datetimeFigureOut">
               <a:rPr lang="es-ES" smtClean="0"/>
-              <a:t>23/08/2024</a:t>
+              <a:t>01/01/2025</a:t>
             </a:fld>
             <a:endParaRPr lang="es-ES"/>
           </a:p>
@@ -1398,7 +1403,7 @@
           <a:p>
             <a:fld id="{058D47DC-6FB3-4103-9605-F4E18D6D2E20}" type="datetimeFigureOut">
               <a:rPr lang="es-ES" smtClean="0"/>
-              <a:t>23/08/2024</a:t>
+              <a:t>01/01/2025</a:t>
             </a:fld>
             <a:endParaRPr lang="es-ES"/>
           </a:p>
@@ -1810,7 +1815,7 @@
           <a:p>
             <a:fld id="{058D47DC-6FB3-4103-9605-F4E18D6D2E20}" type="datetimeFigureOut">
               <a:rPr lang="es-ES" smtClean="0"/>
-              <a:t>23/08/2024</a:t>
+              <a:t>01/01/2025</a:t>
             </a:fld>
             <a:endParaRPr lang="es-ES"/>
           </a:p>
@@ -1951,7 +1956,7 @@
           <a:p>
             <a:fld id="{058D47DC-6FB3-4103-9605-F4E18D6D2E20}" type="datetimeFigureOut">
               <a:rPr lang="es-ES" smtClean="0"/>
-              <a:t>23/08/2024</a:t>
+              <a:t>01/01/2025</a:t>
             </a:fld>
             <a:endParaRPr lang="es-ES"/>
           </a:p>
@@ -2064,7 +2069,7 @@
           <a:p>
             <a:fld id="{058D47DC-6FB3-4103-9605-F4E18D6D2E20}" type="datetimeFigureOut">
               <a:rPr lang="es-ES" smtClean="0"/>
-              <a:t>23/08/2024</a:t>
+              <a:t>01/01/2025</a:t>
             </a:fld>
             <a:endParaRPr lang="es-ES"/>
           </a:p>
@@ -2375,7 +2380,7 @@
           <a:p>
             <a:fld id="{058D47DC-6FB3-4103-9605-F4E18D6D2E20}" type="datetimeFigureOut">
               <a:rPr lang="es-ES" smtClean="0"/>
-              <a:t>23/08/2024</a:t>
+              <a:t>01/01/2025</a:t>
             </a:fld>
             <a:endParaRPr lang="es-ES"/>
           </a:p>
@@ -2663,7 +2668,7 @@
           <a:p>
             <a:fld id="{058D47DC-6FB3-4103-9605-F4E18D6D2E20}" type="datetimeFigureOut">
               <a:rPr lang="es-ES" smtClean="0"/>
-              <a:t>23/08/2024</a:t>
+              <a:t>01/01/2025</a:t>
             </a:fld>
             <a:endParaRPr lang="es-ES"/>
           </a:p>
@@ -2904,7 +2909,7 @@
           <a:p>
             <a:fld id="{058D47DC-6FB3-4103-9605-F4E18D6D2E20}" type="datetimeFigureOut">
               <a:rPr lang="es-ES" smtClean="0"/>
-              <a:t>23/08/2024</a:t>
+              <a:t>01/01/2025</a:t>
             </a:fld>
             <a:endParaRPr lang="es-ES"/>
           </a:p>
@@ -3375,10 +3380,10 @@
       </p:sp>
       <p:pic>
         <p:nvPicPr>
-          <p:cNvPr id="22" name="Imagen 21">
-            <a:extLst>
-              <a:ext uri="{FF2B5EF4-FFF2-40B4-BE49-F238E27FC236}">
-                <a16:creationId xmlns:a16="http://schemas.microsoft.com/office/drawing/2014/main" id="{6AD98E82-B8EF-1328-AF5A-2E3AC27ED892}"/>
+          <p:cNvPr id="3" name="Imagen 2">
+            <a:extLst>
+              <a:ext uri="{FF2B5EF4-FFF2-40B4-BE49-F238E27FC236}">
+                <a16:creationId xmlns:a16="http://schemas.microsoft.com/office/drawing/2014/main" id="{EA680AC4-17C4-7E91-0100-E80745E8C547}"/>
               </a:ext>
             </a:extLst>
           </p:cNvPr>
@@ -3387,33 +3392,81 @@
           </p:cNvPicPr>
           <p:nvPr/>
         </p:nvPicPr>
-        <p:blipFill rotWithShape="1">
-          <a:blip r:embed="rId2">
-            <a:extLst>
-              <a:ext uri="{28A0092B-C50C-407E-A947-70E740481C1C}">
-                <a14:useLocalDpi xmlns:a14="http://schemas.microsoft.com/office/drawing/2010/main" val="0"/>
-              </a:ext>
-            </a:extLst>
-          </a:blip>
-          <a:srcRect l="17226" r="11481"/>
+        <p:blipFill>
+          <a:blip r:embed="rId2"/>
+          <a:srcRect l="23649" t="7483" r="25692" b="8300"/>
           <a:stretch/>
         </p:blipFill>
         <p:spPr>
           <a:xfrm>
             <a:off x="2724538" y="0"/>
-            <a:ext cx="7333862" cy="6858000"/>
+            <a:ext cx="7333861" cy="6858000"/>
           </a:xfrm>
           <a:prstGeom prst="rect">
             <a:avLst/>
           </a:prstGeom>
         </p:spPr>
       </p:pic>
+      <p:sp>
+        <p:nvSpPr>
+          <p:cNvPr id="4" name="Rectángulo 3">
+            <a:extLst>
+              <a:ext uri="{FF2B5EF4-FFF2-40B4-BE49-F238E27FC236}">
+                <a16:creationId xmlns:a16="http://schemas.microsoft.com/office/drawing/2014/main" id="{14E8A35E-EE7C-4F63-4314-AB230DDD724C}"/>
+              </a:ext>
+            </a:extLst>
+          </p:cNvPr>
+          <p:cNvSpPr/>
+          <p:nvPr/>
+        </p:nvSpPr>
+        <p:spPr>
+          <a:xfrm>
+            <a:off x="6673174" y="5542384"/>
+            <a:ext cx="3385225" cy="1315616"/>
+          </a:xfrm>
+          <a:prstGeom prst="rect">
+            <a:avLst/>
+          </a:prstGeom>
+          <a:solidFill>
+            <a:schemeClr val="bg1"/>
+          </a:solidFill>
+          <a:ln>
+            <a:solidFill>
+              <a:schemeClr val="bg1"/>
+            </a:solidFill>
+          </a:ln>
+        </p:spPr>
+        <p:style>
+          <a:lnRef idx="2">
+            <a:schemeClr val="accent1">
+              <a:shade val="15000"/>
+            </a:schemeClr>
+          </a:lnRef>
+          <a:fillRef idx="1">
+            <a:schemeClr val="accent1"/>
+          </a:fillRef>
+          <a:effectRef idx="0">
+            <a:schemeClr val="accent1"/>
+          </a:effectRef>
+          <a:fontRef idx="minor">
+            <a:schemeClr val="lt1"/>
+          </a:fontRef>
+        </p:style>
+        <p:txBody>
+          <a:bodyPr rtlCol="0" anchor="ctr"/>
+          <a:lstStyle/>
+          <a:p>
+            <a:pPr algn="ctr"/>
+            <a:endParaRPr lang="es-ES"/>
+          </a:p>
+        </p:txBody>
+      </p:sp>
       <p:pic>
         <p:nvPicPr>
-          <p:cNvPr id="1034" name="Picture 10" descr="Canal Sur Radio - Wikipedia, la enciclopedia libre">
-            <a:extLst>
-              <a:ext uri="{FF2B5EF4-FFF2-40B4-BE49-F238E27FC236}">
-                <a16:creationId xmlns:a16="http://schemas.microsoft.com/office/drawing/2014/main" id="{12D8FDB4-3977-9D40-0CEB-98BB67A55A33}"/>
+          <p:cNvPr id="1026" name="Picture 2" descr="Comisión Fulbright">
+            <a:extLst>
+              <a:ext uri="{FF2B5EF4-FFF2-40B4-BE49-F238E27FC236}">
+                <a16:creationId xmlns:a16="http://schemas.microsoft.com/office/drawing/2014/main" id="{70BC125B-1581-20D0-AC4C-202FDD1E975C}"/>
               </a:ext>
             </a:extLst>
           </p:cNvPr>
@@ -3437,8 +3490,8 @@
         </p:blipFill>
         <p:spPr bwMode="auto">
           <a:xfrm>
-            <a:off x="7200901" y="4000500"/>
-            <a:ext cx="2857500" cy="2857500"/>
+            <a:off x="6825557" y="5735780"/>
+            <a:ext cx="3080458" cy="918637"/>
           </a:xfrm>
           <a:prstGeom prst="rect">
             <a:avLst/>
